--- a/DBdevProject/Презентация OTUS проект.pptx
+++ b/DBdevProject/Презентация OTUS проект.pptx
@@ -3380,24 +3380,24 @@
           <a:p>
             <a:pPr algn="ctr"/>
             <a:r>
-              <a:rPr lang="en-US" sz="4000" b="1" dirty="0">
+              <a:rPr lang="ru-RU" sz="4000" b="1" dirty="0">
                 <a:solidFill>
                   <a:schemeClr val="accent1">
                     <a:lumMod val="75000"/>
                   </a:schemeClr>
                 </a:solidFill>
               </a:rPr>
-              <a:t>C</a:t>
-            </a:r>
-            <a:r>
-              <a:rPr lang="ru-RU" sz="4000" b="1" dirty="0" err="1">
+              <a:t>Построение </a:t>
+            </a:r>
+            <a:r>
+              <a:rPr lang="en-US" sz="4000" b="1" dirty="0">
                 <a:solidFill>
                   <a:schemeClr val="accent1">
                     <a:lumMod val="75000"/>
                   </a:schemeClr>
                 </a:solidFill>
               </a:rPr>
-              <a:t>оздание</a:t>
+              <a:t>DWH </a:t>
             </a:r>
             <a:r>
               <a:rPr lang="ru-RU" sz="4000" b="1" dirty="0">
@@ -3407,7 +3407,7 @@
                   </a:schemeClr>
                 </a:solidFill>
               </a:rPr>
-              <a:t> базы данных для отчетности группы типографий.</a:t>
+              <a:t>и создание аналитической отчетности для группы предприятий.</a:t>
             </a:r>
             <a:endParaRPr lang="en-US" sz="4000" b="1" dirty="0">
               <a:solidFill>
